--- a/InterestPresentation.pptx
+++ b/InterestPresentation.pptx
@@ -109,6 +109,11 @@
       </a:defRPr>
     </a:lvl9pPr>
   </p:defaultTextStyle>
+  <p:extLst>
+    <p:ext uri="{EFAFB233-063F-42B5-8137-9DF3F51BA10A}">
+      <p15:sldGuideLst xmlns:p15="http://schemas.microsoft.com/office/powerpoint/2012/main"/>
+    </p:ext>
+  </p:extLst>
 </p:presentation>
 </file>
 
@@ -259,7 +264,7 @@
           <a:p>
             <a:fld id="{7CDB4A17-A892-4E19-AB9F-75759AAEA3EF}" type="datetimeFigureOut">
               <a:rPr lang="en-US" smtClean="0"/>
-              <a:t>12/7/2021</a:t>
+              <a:t>12/27/2021</a:t>
             </a:fld>
             <a:endParaRPr lang="en-US"/>
           </a:p>
@@ -457,7 +462,7 @@
           <a:p>
             <a:fld id="{7CDB4A17-A892-4E19-AB9F-75759AAEA3EF}" type="datetimeFigureOut">
               <a:rPr lang="en-US" smtClean="0"/>
-              <a:t>12/7/2021</a:t>
+              <a:t>12/27/2021</a:t>
             </a:fld>
             <a:endParaRPr lang="en-US"/>
           </a:p>
@@ -665,7 +670,7 @@
           <a:p>
             <a:fld id="{7CDB4A17-A892-4E19-AB9F-75759AAEA3EF}" type="datetimeFigureOut">
               <a:rPr lang="en-US" smtClean="0"/>
-              <a:t>12/7/2021</a:t>
+              <a:t>12/27/2021</a:t>
             </a:fld>
             <a:endParaRPr lang="en-US"/>
           </a:p>
@@ -863,7 +868,7 @@
           <a:p>
             <a:fld id="{7CDB4A17-A892-4E19-AB9F-75759AAEA3EF}" type="datetimeFigureOut">
               <a:rPr lang="en-US" smtClean="0"/>
-              <a:t>12/7/2021</a:t>
+              <a:t>12/27/2021</a:t>
             </a:fld>
             <a:endParaRPr lang="en-US"/>
           </a:p>
@@ -1138,7 +1143,7 @@
           <a:p>
             <a:fld id="{7CDB4A17-A892-4E19-AB9F-75759AAEA3EF}" type="datetimeFigureOut">
               <a:rPr lang="en-US" smtClean="0"/>
-              <a:t>12/7/2021</a:t>
+              <a:t>12/27/2021</a:t>
             </a:fld>
             <a:endParaRPr lang="en-US"/>
           </a:p>
@@ -1403,7 +1408,7 @@
           <a:p>
             <a:fld id="{7CDB4A17-A892-4E19-AB9F-75759AAEA3EF}" type="datetimeFigureOut">
               <a:rPr lang="en-US" smtClean="0"/>
-              <a:t>12/7/2021</a:t>
+              <a:t>12/27/2021</a:t>
             </a:fld>
             <a:endParaRPr lang="en-US"/>
           </a:p>
@@ -1815,7 +1820,7 @@
           <a:p>
             <a:fld id="{7CDB4A17-A892-4E19-AB9F-75759AAEA3EF}" type="datetimeFigureOut">
               <a:rPr lang="en-US" smtClean="0"/>
-              <a:t>12/7/2021</a:t>
+              <a:t>12/27/2021</a:t>
             </a:fld>
             <a:endParaRPr lang="en-US"/>
           </a:p>
@@ -1956,7 +1961,7 @@
           <a:p>
             <a:fld id="{7CDB4A17-A892-4E19-AB9F-75759AAEA3EF}" type="datetimeFigureOut">
               <a:rPr lang="en-US" smtClean="0"/>
-              <a:t>12/7/2021</a:t>
+              <a:t>12/27/2021</a:t>
             </a:fld>
             <a:endParaRPr lang="en-US"/>
           </a:p>
@@ -2069,7 +2074,7 @@
           <a:p>
             <a:fld id="{7CDB4A17-A892-4E19-AB9F-75759AAEA3EF}" type="datetimeFigureOut">
               <a:rPr lang="en-US" smtClean="0"/>
-              <a:t>12/7/2021</a:t>
+              <a:t>12/27/2021</a:t>
             </a:fld>
             <a:endParaRPr lang="en-US"/>
           </a:p>
@@ -2380,7 +2385,7 @@
           <a:p>
             <a:fld id="{7CDB4A17-A892-4E19-AB9F-75759AAEA3EF}" type="datetimeFigureOut">
               <a:rPr lang="en-US" smtClean="0"/>
-              <a:t>12/7/2021</a:t>
+              <a:t>12/27/2021</a:t>
             </a:fld>
             <a:endParaRPr lang="en-US"/>
           </a:p>
@@ -2668,7 +2673,7 @@
           <a:p>
             <a:fld id="{7CDB4A17-A892-4E19-AB9F-75759AAEA3EF}" type="datetimeFigureOut">
               <a:rPr lang="en-US" smtClean="0"/>
-              <a:t>12/7/2021</a:t>
+              <a:t>12/27/2021</a:t>
             </a:fld>
             <a:endParaRPr lang="en-US"/>
           </a:p>
@@ -2909,7 +2914,7 @@
           <a:p>
             <a:fld id="{7CDB4A17-A892-4E19-AB9F-75759AAEA3EF}" type="datetimeFigureOut">
               <a:rPr lang="en-US" smtClean="0"/>
-              <a:t>12/7/2021</a:t>
+              <a:t>12/27/2021</a:t>
             </a:fld>
             <a:endParaRPr lang="en-US"/>
           </a:p>
@@ -3354,31 +3359,6 @@
           </a:p>
         </p:txBody>
       </p:sp>
-      <p:sp>
-        <p:nvSpPr>
-          <p:cNvPr id="3" name="Subtitle 2">
-            <a:extLst>
-              <a:ext uri="{FF2B5EF4-FFF2-40B4-BE49-F238E27FC236}">
-                <a16:creationId xmlns:a16="http://schemas.microsoft.com/office/drawing/2014/main" id="{A0C52479-E52B-40E2-98C7-677901964D10}"/>
-              </a:ext>
-            </a:extLst>
-          </p:cNvPr>
-          <p:cNvSpPr>
-            <a:spLocks noGrp="1"/>
-          </p:cNvSpPr>
-          <p:nvPr>
-            <p:ph type="subTitle" idx="1"/>
-          </p:nvPr>
-        </p:nvSpPr>
-        <p:spPr/>
-        <p:txBody>
-          <a:bodyPr/>
-          <a:lstStyle/>
-          <a:p>
-            <a:endParaRPr lang="en-US"/>
-          </a:p>
-        </p:txBody>
-      </p:sp>
     </p:spTree>
     <p:extLst>
       <p:ext uri="{BB962C8B-B14F-4D97-AF65-F5344CB8AC3E}">
@@ -3458,32 +3438,22 @@
           <a:bodyPr/>
           <a:lstStyle/>
           <a:p>
-            <a:endParaRPr lang="en-US"/>
-          </a:p>
-        </p:txBody>
-      </p:sp>
-      <p:sp>
-        <p:nvSpPr>
-          <p:cNvPr id="4" name="Content Placeholder 3">
-            <a:extLst>
-              <a:ext uri="{FF2B5EF4-FFF2-40B4-BE49-F238E27FC236}">
-                <a16:creationId xmlns:a16="http://schemas.microsoft.com/office/drawing/2014/main" id="{29DFDCE8-5C53-47C9-95F7-2040D50F5DEF}"/>
-              </a:ext>
-            </a:extLst>
-          </p:cNvPr>
-          <p:cNvSpPr>
-            <a:spLocks noGrp="1"/>
-          </p:cNvSpPr>
-          <p:nvPr>
-            <p:ph sz="half" idx="2"/>
-          </p:nvPr>
-        </p:nvSpPr>
-        <p:spPr/>
-        <p:txBody>
-          <a:bodyPr/>
-          <a:lstStyle/>
-          <a:p>
-            <a:endParaRPr lang="en-US"/>
+            <a:r>
+              <a:rPr lang="en-US" dirty="0"/>
+              <a:t>Senior Data Scientist at Paycom</a:t>
+            </a:r>
+          </a:p>
+          <a:p>
+            <a:r>
+              <a:rPr lang="en-US" dirty="0"/>
+              <a:t>Instructor at University of South Alabama</a:t>
+            </a:r>
+          </a:p>
+          <a:p>
+            <a:r>
+              <a:rPr lang="en-US" dirty="0"/>
+              <a:t>Active in the American Statistical Association</a:t>
+            </a:r>
           </a:p>
         </p:txBody>
       </p:sp>
@@ -3561,37 +3531,23 @@
             <p:ph sz="half" idx="1"/>
           </p:nvPr>
         </p:nvSpPr>
-        <p:spPr/>
-        <p:txBody>
-          <a:bodyPr/>
-          <a:lstStyle/>
-          <a:p>
-            <a:endParaRPr lang="en-US"/>
-          </a:p>
-        </p:txBody>
-      </p:sp>
-      <p:sp>
-        <p:nvSpPr>
-          <p:cNvPr id="4" name="Content Placeholder 3">
-            <a:extLst>
-              <a:ext uri="{FF2B5EF4-FFF2-40B4-BE49-F238E27FC236}">
-                <a16:creationId xmlns:a16="http://schemas.microsoft.com/office/drawing/2014/main" id="{3AD155A0-F57B-47A2-B88F-8E3767924B08}"/>
-              </a:ext>
-            </a:extLst>
-          </p:cNvPr>
-          <p:cNvSpPr>
-            <a:spLocks noGrp="1"/>
-          </p:cNvSpPr>
-          <p:nvPr>
-            <p:ph sz="half" idx="2"/>
-          </p:nvPr>
-        </p:nvSpPr>
-        <p:spPr/>
-        <p:txBody>
-          <a:bodyPr/>
-          <a:lstStyle/>
-          <a:p>
-            <a:endParaRPr lang="en-US"/>
+        <p:spPr>
+          <a:xfrm>
+            <a:off x="838200" y="1825625"/>
+            <a:ext cx="10393392" cy="4351338"/>
+          </a:xfrm>
+        </p:spPr>
+        <p:txBody>
+          <a:bodyPr/>
+          <a:lstStyle/>
+          <a:p>
+            <a:pPr marL="0" indent="0" algn="ctr">
+              <a:buNone/>
+            </a:pPr>
+            <a:r>
+              <a:rPr lang="en-US" dirty="0"/>
+              <a:t>The American Statistical Association is the world’s largest community of statisticians, the “Big Tent for Statistics.” It is the second-oldest, continuously operating professional association in the country. </a:t>
+            </a:r>
           </a:p>
         </p:txBody>
       </p:sp>
@@ -3671,35 +3627,33 @@
         </p:nvSpPr>
         <p:spPr/>
         <p:txBody>
-          <a:bodyPr/>
-          <a:lstStyle/>
-          <a:p>
-            <a:endParaRPr lang="en-US"/>
-          </a:p>
-        </p:txBody>
-      </p:sp>
-      <p:sp>
-        <p:nvSpPr>
-          <p:cNvPr id="4" name="Content Placeholder 3">
-            <a:extLst>
-              <a:ext uri="{FF2B5EF4-FFF2-40B4-BE49-F238E27FC236}">
-                <a16:creationId xmlns:a16="http://schemas.microsoft.com/office/drawing/2014/main" id="{2CA37425-BD42-4D23-8985-6BF244205D5B}"/>
-              </a:ext>
-            </a:extLst>
-          </p:cNvPr>
-          <p:cNvSpPr>
-            <a:spLocks noGrp="1"/>
-          </p:cNvSpPr>
-          <p:nvPr>
-            <p:ph sz="half" idx="2"/>
-          </p:nvPr>
-        </p:nvSpPr>
-        <p:spPr/>
-        <p:txBody>
-          <a:bodyPr/>
-          <a:lstStyle/>
-          <a:p>
-            <a:endParaRPr lang="en-US"/>
+          <a:bodyPr>
+            <a:normAutofit fontScale="92500" lnSpcReduction="10000"/>
+          </a:bodyPr>
+          <a:lstStyle/>
+          <a:p>
+            <a:r>
+              <a:rPr lang="en-US" dirty="0"/>
+              <a:t>Interest Groups are potential precursors to sections in that ASA.</a:t>
+            </a:r>
+          </a:p>
+          <a:p>
+            <a:r>
+              <a:rPr lang="en-US" dirty="0"/>
+              <a:t>In order to support temporary or new groups interest groups were created to assist with resources.</a:t>
+            </a:r>
+          </a:p>
+          <a:p>
+            <a:r>
+              <a:rPr lang="en-US" dirty="0"/>
+              <a:t>You do not need to be a member of the ASA to be in an interest group</a:t>
+            </a:r>
+          </a:p>
+          <a:p>
+            <a:r>
+              <a:rPr lang="en-US" dirty="0"/>
+              <a:t>Sections and Interest groups are subject area or industry sub discipline groups that receive recognition from the ASA.</a:t>
+            </a:r>
           </a:p>
         </p:txBody>
       </p:sp>
@@ -3782,32 +3736,28 @@
           <a:bodyPr/>
           <a:lstStyle/>
           <a:p>
-            <a:endParaRPr lang="en-US"/>
-          </a:p>
-        </p:txBody>
-      </p:sp>
-      <p:sp>
-        <p:nvSpPr>
-          <p:cNvPr id="4" name="Content Placeholder 3">
-            <a:extLst>
-              <a:ext uri="{FF2B5EF4-FFF2-40B4-BE49-F238E27FC236}">
-                <a16:creationId xmlns:a16="http://schemas.microsoft.com/office/drawing/2014/main" id="{08CA8BED-73C1-4CDF-A3A3-D81DFE09A777}"/>
-              </a:ext>
-            </a:extLst>
-          </p:cNvPr>
-          <p:cNvSpPr>
-            <a:spLocks noGrp="1"/>
-          </p:cNvSpPr>
-          <p:nvPr>
-            <p:ph sz="half" idx="2"/>
-          </p:nvPr>
-        </p:nvSpPr>
-        <p:spPr/>
-        <p:txBody>
-          <a:bodyPr/>
-          <a:lstStyle/>
-          <a:p>
-            <a:endParaRPr lang="en-US"/>
+            <a:r>
+              <a:rPr lang="en-US" dirty="0"/>
+              <a:t>Sections are completely composed of ASA members</a:t>
+            </a:r>
+          </a:p>
+          <a:p>
+            <a:r>
+              <a:rPr lang="en-US" dirty="0"/>
+              <a:t>Sections can collect dues directly from the ASA membership portal</a:t>
+            </a:r>
+          </a:p>
+          <a:p>
+            <a:r>
+              <a:rPr lang="en-US" dirty="0"/>
+              <a:t>Sections select programing for the Joint Statistical Meetings</a:t>
+            </a:r>
+          </a:p>
+          <a:p>
+            <a:r>
+              <a:rPr lang="en-US" dirty="0"/>
+              <a:t>Sections must provide annual budgets and survey of initiatives</a:t>
+            </a:r>
           </a:p>
         </p:txBody>
       </p:sp>
@@ -3857,14 +3807,19 @@
             <p:ph type="title"/>
           </p:nvPr>
         </p:nvSpPr>
-        <p:spPr/>
-        <p:txBody>
-          <a:bodyPr/>
-          <a:lstStyle/>
-          <a:p>
-            <a:r>
-              <a:rPr lang="en-US"/>
-              <a:t>What do we need to do?</a:t>
+        <p:spPr>
+          <a:xfrm>
+            <a:off x="155275" y="192597"/>
+            <a:ext cx="12192000" cy="1325563"/>
+          </a:xfrm>
+        </p:spPr>
+        <p:txBody>
+          <a:bodyPr/>
+          <a:lstStyle/>
+          <a:p>
+            <a:r>
+              <a:rPr lang="en-US" dirty="0"/>
+              <a:t>Requirements to petition to become an interest group.</a:t>
             </a:r>
           </a:p>
         </p:txBody>
@@ -3887,35 +3842,27 @@
         </p:nvSpPr>
         <p:spPr/>
         <p:txBody>
-          <a:bodyPr/>
-          <a:lstStyle/>
-          <a:p>
-            <a:endParaRPr lang="en-US"/>
-          </a:p>
-        </p:txBody>
-      </p:sp>
-      <p:sp>
-        <p:nvSpPr>
-          <p:cNvPr id="4" name="Content Placeholder 3">
-            <a:extLst>
-              <a:ext uri="{FF2B5EF4-FFF2-40B4-BE49-F238E27FC236}">
-                <a16:creationId xmlns:a16="http://schemas.microsoft.com/office/drawing/2014/main" id="{C91BFD76-605C-4591-97AF-9547E886AB6E}"/>
-              </a:ext>
-            </a:extLst>
-          </p:cNvPr>
-          <p:cNvSpPr>
-            <a:spLocks noGrp="1"/>
-          </p:cNvSpPr>
-          <p:nvPr>
-            <p:ph sz="half" idx="2"/>
-          </p:nvPr>
-        </p:nvSpPr>
-        <p:spPr/>
-        <p:txBody>
-          <a:bodyPr/>
-          <a:lstStyle/>
-          <a:p>
-            <a:endParaRPr lang="en-US"/>
+          <a:bodyPr>
+            <a:normAutofit/>
+          </a:bodyPr>
+          <a:lstStyle/>
+          <a:p>
+            <a:r>
+              <a:rPr lang="en-US" dirty="0"/>
+              <a:t>A letter to the COSGB with a summary of your interest group purpose, and why you believe a new Interest Group is needed. </a:t>
+            </a:r>
+          </a:p>
+          <a:p>
+            <a:r>
+              <a:rPr lang="en-US" dirty="0"/>
+              <a:t>A Proposed Charter</a:t>
+            </a:r>
+          </a:p>
+          <a:p>
+            <a:r>
+              <a:rPr lang="en-US" dirty="0"/>
+              <a:t>A list of 25 names/signatures of the initial members.</a:t>
+            </a:r>
           </a:p>
         </p:txBody>
       </p:sp>
